--- a/Outputs/CONSORT Flowchart.pptx
+++ b/Outputs/CONSORT Flowchart.pptx
@@ -104,6 +104,11 @@
       </a:defRPr>
     </a:lvl9pPr>
   </p:defaultTextStyle>
+  <p:extLst>
+    <p:ext uri="{EFAFB233-063F-42B5-8137-9DF3F51BA10A}">
+      <p15:sldGuideLst xmlns:p15="http://schemas.microsoft.com/office/powerpoint/2012/main"/>
+    </p:ext>
+  </p:extLst>
 </p:presentation>
 </file>
 
@@ -254,7 +259,7 @@
           <a:p>
             <a:fld id="{978663CB-7691-4353-9DE0-6ED5549EBBBC}" type="datetimeFigureOut">
               <a:rPr lang="en-US" smtClean="0"/>
-              <a:t>5/26/2021</a:t>
+              <a:t>6/2/2021</a:t>
             </a:fld>
             <a:endParaRPr lang="en-US"/>
           </a:p>
@@ -452,7 +457,7 @@
           <a:p>
             <a:fld id="{978663CB-7691-4353-9DE0-6ED5549EBBBC}" type="datetimeFigureOut">
               <a:rPr lang="en-US" smtClean="0"/>
-              <a:t>5/26/2021</a:t>
+              <a:t>6/2/2021</a:t>
             </a:fld>
             <a:endParaRPr lang="en-US"/>
           </a:p>
@@ -660,7 +665,7 @@
           <a:p>
             <a:fld id="{978663CB-7691-4353-9DE0-6ED5549EBBBC}" type="datetimeFigureOut">
               <a:rPr lang="en-US" smtClean="0"/>
-              <a:t>5/26/2021</a:t>
+              <a:t>6/2/2021</a:t>
             </a:fld>
             <a:endParaRPr lang="en-US"/>
           </a:p>
@@ -858,7 +863,7 @@
           <a:p>
             <a:fld id="{978663CB-7691-4353-9DE0-6ED5549EBBBC}" type="datetimeFigureOut">
               <a:rPr lang="en-US" smtClean="0"/>
-              <a:t>5/26/2021</a:t>
+              <a:t>6/2/2021</a:t>
             </a:fld>
             <a:endParaRPr lang="en-US"/>
           </a:p>
@@ -1133,7 +1138,7 @@
           <a:p>
             <a:fld id="{978663CB-7691-4353-9DE0-6ED5549EBBBC}" type="datetimeFigureOut">
               <a:rPr lang="en-US" smtClean="0"/>
-              <a:t>5/26/2021</a:t>
+              <a:t>6/2/2021</a:t>
             </a:fld>
             <a:endParaRPr lang="en-US"/>
           </a:p>
@@ -1398,7 +1403,7 @@
           <a:p>
             <a:fld id="{978663CB-7691-4353-9DE0-6ED5549EBBBC}" type="datetimeFigureOut">
               <a:rPr lang="en-US" smtClean="0"/>
-              <a:t>5/26/2021</a:t>
+              <a:t>6/2/2021</a:t>
             </a:fld>
             <a:endParaRPr lang="en-US"/>
           </a:p>
@@ -1810,7 +1815,7 @@
           <a:p>
             <a:fld id="{978663CB-7691-4353-9DE0-6ED5549EBBBC}" type="datetimeFigureOut">
               <a:rPr lang="en-US" smtClean="0"/>
-              <a:t>5/26/2021</a:t>
+              <a:t>6/2/2021</a:t>
             </a:fld>
             <a:endParaRPr lang="en-US"/>
           </a:p>
@@ -1951,7 +1956,7 @@
           <a:p>
             <a:fld id="{978663CB-7691-4353-9DE0-6ED5549EBBBC}" type="datetimeFigureOut">
               <a:rPr lang="en-US" smtClean="0"/>
-              <a:t>5/26/2021</a:t>
+              <a:t>6/2/2021</a:t>
             </a:fld>
             <a:endParaRPr lang="en-US"/>
           </a:p>
@@ -2064,7 +2069,7 @@
           <a:p>
             <a:fld id="{978663CB-7691-4353-9DE0-6ED5549EBBBC}" type="datetimeFigureOut">
               <a:rPr lang="en-US" smtClean="0"/>
-              <a:t>5/26/2021</a:t>
+              <a:t>6/2/2021</a:t>
             </a:fld>
             <a:endParaRPr lang="en-US"/>
           </a:p>
@@ -2375,7 +2380,7 @@
           <a:p>
             <a:fld id="{978663CB-7691-4353-9DE0-6ED5549EBBBC}" type="datetimeFigureOut">
               <a:rPr lang="en-US" smtClean="0"/>
-              <a:t>5/26/2021</a:t>
+              <a:t>6/2/2021</a:t>
             </a:fld>
             <a:endParaRPr lang="en-US"/>
           </a:p>
@@ -2663,7 +2668,7 @@
           <a:p>
             <a:fld id="{978663CB-7691-4353-9DE0-6ED5549EBBBC}" type="datetimeFigureOut">
               <a:rPr lang="en-US" smtClean="0"/>
-              <a:t>5/26/2021</a:t>
+              <a:t>6/2/2021</a:t>
             </a:fld>
             <a:endParaRPr lang="en-US"/>
           </a:p>
@@ -2904,7 +2909,7 @@
           <a:p>
             <a:fld id="{978663CB-7691-4353-9DE0-6ED5549EBBBC}" type="datetimeFigureOut">
               <a:rPr lang="en-US" smtClean="0"/>
-              <a:t>5/26/2021</a:t>
+              <a:t>6/2/2021</a:t>
             </a:fld>
             <a:endParaRPr lang="en-US"/>
           </a:p>
@@ -3321,510 +3326,531 @@
           <a:chExt cx="0" cy="0"/>
         </a:xfrm>
       </p:grpSpPr>
-      <p:sp>
-        <p:nvSpPr>
-          <p:cNvPr id="4" name="Rectangle 3">
-            <a:extLst>
-              <a:ext uri="{FF2B5EF4-FFF2-40B4-BE49-F238E27FC236}">
-                <a16:creationId xmlns:a16="http://schemas.microsoft.com/office/drawing/2014/main" id="{3425F35C-9081-4AFA-9CA3-0FFADF826538}"/>
-              </a:ext>
-            </a:extLst>
-          </p:cNvPr>
-          <p:cNvSpPr/>
+      <p:grpSp>
+        <p:nvGrpSpPr>
+          <p:cNvPr id="2" name="Group 1">
+            <a:extLst>
+              <a:ext uri="{FF2B5EF4-FFF2-40B4-BE49-F238E27FC236}">
+                <a16:creationId xmlns:a16="http://schemas.microsoft.com/office/drawing/2014/main" id="{D18A9E52-0CB0-43BA-969C-D3DC133AAB4F}"/>
+              </a:ext>
+            </a:extLst>
+          </p:cNvPr>
+          <p:cNvGrpSpPr/>
           <p:nvPr/>
-        </p:nvSpPr>
-        <p:spPr>
+        </p:nvGrpSpPr>
+        <p:grpSpPr>
           <a:xfrm>
-            <a:off x="1794934" y="-393698"/>
-            <a:ext cx="4944532" cy="592666"/>
+            <a:off x="1794931" y="-393698"/>
+            <a:ext cx="4961469" cy="7531102"/>
+            <a:chOff x="1794931" y="-393698"/>
+            <a:chExt cx="4961469" cy="7531102"/>
           </a:xfrm>
-          <a:prstGeom prst="rect">
-            <a:avLst/>
-          </a:prstGeom>
-        </p:spPr>
-        <p:style>
-          <a:lnRef idx="2">
-            <a:schemeClr val="dk1"/>
-          </a:lnRef>
-          <a:fillRef idx="1">
-            <a:schemeClr val="lt1"/>
-          </a:fillRef>
-          <a:effectRef idx="0">
-            <a:schemeClr val="dk1"/>
-          </a:effectRef>
-          <a:fontRef idx="minor">
-            <a:schemeClr val="dk1"/>
-          </a:fontRef>
-        </p:style>
-        <p:txBody>
-          <a:bodyPr rtlCol="0" anchor="ctr"/>
-          <a:lstStyle/>
-          <a:p>
-            <a:r>
-              <a:rPr lang="en-US" dirty="0"/>
-              <a:t>Citations identified in systemic search (n = 1,458)</a:t>
-            </a:r>
-          </a:p>
-        </p:txBody>
-      </p:sp>
-      <p:sp>
-        <p:nvSpPr>
-          <p:cNvPr id="5" name="Rectangle 4">
-            <a:extLst>
-              <a:ext uri="{FF2B5EF4-FFF2-40B4-BE49-F238E27FC236}">
-                <a16:creationId xmlns:a16="http://schemas.microsoft.com/office/drawing/2014/main" id="{BF8D534F-6A09-47C2-B237-FD940FF2F461}"/>
-              </a:ext>
-            </a:extLst>
-          </p:cNvPr>
-          <p:cNvSpPr/>
-          <p:nvPr/>
-        </p:nvSpPr>
-        <p:spPr>
-          <a:xfrm>
-            <a:off x="2692397" y="474133"/>
-            <a:ext cx="4047067" cy="1530348"/>
-          </a:xfrm>
-          <a:prstGeom prst="rect">
-            <a:avLst/>
-          </a:prstGeom>
-        </p:spPr>
-        <p:style>
-          <a:lnRef idx="2">
-            <a:schemeClr val="dk1"/>
-          </a:lnRef>
-          <a:fillRef idx="1">
-            <a:schemeClr val="lt1"/>
-          </a:fillRef>
-          <a:effectRef idx="0">
-            <a:schemeClr val="dk1"/>
-          </a:effectRef>
-          <a:fontRef idx="minor">
-            <a:schemeClr val="dk1"/>
-          </a:fontRef>
-        </p:style>
-        <p:txBody>
-          <a:bodyPr rtlCol="0" anchor="ctr"/>
-          <a:lstStyle/>
-          <a:p>
-            <a:r>
-              <a:rPr lang="en-US" dirty="0"/>
-              <a:t>Excluded (n = 1,410)</a:t>
-            </a:r>
-          </a:p>
-          <a:p>
-            <a:endParaRPr lang="en-US" dirty="0"/>
-          </a:p>
-          <a:p>
-            <a:r>
-              <a:rPr lang="en-US" dirty="0"/>
-              <a:t>Reasons:</a:t>
-            </a:r>
-          </a:p>
-          <a:p>
-            <a:r>
-              <a:rPr lang="en-US" dirty="0"/>
-              <a:t>- Duplicated (n = 258)</a:t>
-            </a:r>
-          </a:p>
-          <a:p>
-            <a:r>
-              <a:rPr lang="en-US" dirty="0"/>
-              <a:t>- Did not meet criteria (1,152)</a:t>
-            </a:r>
-          </a:p>
-        </p:txBody>
-      </p:sp>
-      <p:sp>
-        <p:nvSpPr>
-          <p:cNvPr id="6" name="Rectangle 5">
-            <a:extLst>
-              <a:ext uri="{FF2B5EF4-FFF2-40B4-BE49-F238E27FC236}">
-                <a16:creationId xmlns:a16="http://schemas.microsoft.com/office/drawing/2014/main" id="{4253401C-D65F-4A6B-B86F-4E496469996C}"/>
-              </a:ext>
-            </a:extLst>
-          </p:cNvPr>
-          <p:cNvSpPr/>
-          <p:nvPr/>
-        </p:nvSpPr>
-        <p:spPr>
-          <a:xfrm>
-            <a:off x="1794931" y="2279646"/>
-            <a:ext cx="4944533" cy="592666"/>
-          </a:xfrm>
-          <a:prstGeom prst="rect">
-            <a:avLst/>
-          </a:prstGeom>
-        </p:spPr>
-        <p:style>
-          <a:lnRef idx="2">
-            <a:schemeClr val="dk1"/>
-          </a:lnRef>
-          <a:fillRef idx="1">
-            <a:schemeClr val="lt1"/>
-          </a:fillRef>
-          <a:effectRef idx="0">
-            <a:schemeClr val="dk1"/>
-          </a:effectRef>
-          <a:fontRef idx="minor">
-            <a:schemeClr val="dk1"/>
-          </a:fontRef>
-        </p:style>
-        <p:txBody>
-          <a:bodyPr rtlCol="0" anchor="ctr"/>
-          <a:lstStyle/>
-          <a:p>
-            <a:r>
-              <a:rPr lang="en-US" dirty="0"/>
-              <a:t>Full-text studies retrieved (n = 48)</a:t>
-            </a:r>
-          </a:p>
-        </p:txBody>
-      </p:sp>
-      <p:sp>
-        <p:nvSpPr>
-          <p:cNvPr id="7" name="Rectangle 6">
-            <a:extLst>
-              <a:ext uri="{FF2B5EF4-FFF2-40B4-BE49-F238E27FC236}">
-                <a16:creationId xmlns:a16="http://schemas.microsoft.com/office/drawing/2014/main" id="{E4854932-5B06-4714-B221-70618453805D}"/>
-              </a:ext>
-            </a:extLst>
-          </p:cNvPr>
-          <p:cNvSpPr/>
-          <p:nvPr/>
-        </p:nvSpPr>
-        <p:spPr>
-          <a:xfrm>
-            <a:off x="2709333" y="3141134"/>
-            <a:ext cx="4047067" cy="3134782"/>
-          </a:xfrm>
-          <a:prstGeom prst="rect">
-            <a:avLst/>
-          </a:prstGeom>
-        </p:spPr>
-        <p:style>
-          <a:lnRef idx="2">
-            <a:schemeClr val="dk1"/>
-          </a:lnRef>
-          <a:fillRef idx="1">
-            <a:schemeClr val="lt1"/>
-          </a:fillRef>
-          <a:effectRef idx="0">
-            <a:schemeClr val="dk1"/>
-          </a:effectRef>
-          <a:fontRef idx="minor">
-            <a:schemeClr val="dk1"/>
-          </a:fontRef>
-        </p:style>
-        <p:txBody>
-          <a:bodyPr rtlCol="0" anchor="ctr"/>
-          <a:lstStyle/>
-          <a:p>
-            <a:r>
-              <a:rPr lang="en-US" dirty="0"/>
-              <a:t>Excluded (n = 35)</a:t>
-            </a:r>
-          </a:p>
-          <a:p>
-            <a:endParaRPr lang="en-US" dirty="0"/>
-          </a:p>
-          <a:p>
-            <a:r>
-              <a:rPr lang="en-US" dirty="0"/>
-              <a:t>Reasons (not mutually exclusive):</a:t>
-            </a:r>
-          </a:p>
-          <a:p>
-            <a:pPr marL="285750" indent="-285750">
-              <a:buFont typeface="Calibri" panose="020F0502020204030204" pitchFamily="34" charset="0"/>
-              <a:buChar char="-"/>
-            </a:pPr>
-            <a:r>
-              <a:rPr lang="en-US" dirty="0"/>
-              <a:t>Duplicated (n = 5)</a:t>
-            </a:r>
-          </a:p>
-          <a:p>
-            <a:pPr marL="285750" indent="-285750">
-              <a:buFont typeface="Calibri" panose="020F0502020204030204" pitchFamily="34" charset="0"/>
-              <a:buChar char="-"/>
-            </a:pPr>
-            <a:r>
-              <a:rPr lang="en-US" dirty="0"/>
-              <a:t>Same data as previous study (n = 2)</a:t>
-            </a:r>
-          </a:p>
-          <a:p>
-            <a:pPr marL="285750" indent="-285750">
-              <a:buFont typeface="Calibri" panose="020F0502020204030204" pitchFamily="34" charset="0"/>
-              <a:buChar char="-"/>
-            </a:pPr>
-            <a:r>
-              <a:rPr lang="en-US" dirty="0"/>
-              <a:t>Outcome data not available (n = TBD</a:t>
-            </a:r>
-          </a:p>
-          <a:p>
-            <a:pPr marL="285750" indent="-285750">
-              <a:buFont typeface="Calibri" panose="020F0502020204030204" pitchFamily="34" charset="0"/>
-              <a:buChar char="-"/>
-            </a:pPr>
-            <a:r>
-              <a:rPr lang="en-US" dirty="0"/>
-              <a:t>Intervention target not eligible (n = 6)</a:t>
-            </a:r>
-          </a:p>
-          <a:p>
-            <a:pPr marL="285750" indent="-285750">
-              <a:buFont typeface="Calibri" panose="020F0502020204030204" pitchFamily="34" charset="0"/>
-              <a:buChar char="-"/>
-            </a:pPr>
-            <a:r>
-              <a:rPr lang="en-US" dirty="0"/>
-              <a:t>Age not in range (n = 6)</a:t>
-            </a:r>
-          </a:p>
-          <a:p>
-            <a:pPr marL="285750" indent="-285750">
-              <a:buFont typeface="Calibri" panose="020F0502020204030204" pitchFamily="34" charset="0"/>
-              <a:buChar char="-"/>
-            </a:pPr>
-            <a:r>
-              <a:rPr lang="en-US" dirty="0"/>
-              <a:t>Not RCT (n = 5)</a:t>
-            </a:r>
-          </a:p>
-          <a:p>
-            <a:pPr marL="285750" indent="-285750">
-              <a:buFont typeface="Calibri" panose="020F0502020204030204" pitchFamily="34" charset="0"/>
-              <a:buChar char="-"/>
-            </a:pPr>
-            <a:r>
-              <a:rPr lang="en-US" dirty="0"/>
-              <a:t>No non-intervention control (n = 11)</a:t>
-            </a:r>
-          </a:p>
-          <a:p>
-            <a:pPr marL="285750" indent="-285750">
-              <a:buFont typeface="Calibri" panose="020F0502020204030204" pitchFamily="34" charset="0"/>
-              <a:buChar char="-"/>
-            </a:pPr>
-            <a:r>
-              <a:rPr lang="en-US" dirty="0"/>
-              <a:t>No eligible outcome (n = 14)</a:t>
-            </a:r>
-          </a:p>
-        </p:txBody>
-      </p:sp>
-      <p:sp>
-        <p:nvSpPr>
-          <p:cNvPr id="8" name="Rectangle 7">
-            <a:extLst>
-              <a:ext uri="{FF2B5EF4-FFF2-40B4-BE49-F238E27FC236}">
-                <a16:creationId xmlns:a16="http://schemas.microsoft.com/office/drawing/2014/main" id="{021E0C23-4A8D-4ECB-854D-2B626DEEC89D}"/>
-              </a:ext>
-            </a:extLst>
-          </p:cNvPr>
-          <p:cNvSpPr/>
-          <p:nvPr/>
-        </p:nvSpPr>
-        <p:spPr>
-          <a:xfrm>
-            <a:off x="1794931" y="6544738"/>
-            <a:ext cx="4961469" cy="592666"/>
-          </a:xfrm>
-          <a:prstGeom prst="rect">
-            <a:avLst/>
-          </a:prstGeom>
-        </p:spPr>
-        <p:style>
-          <a:lnRef idx="2">
-            <a:schemeClr val="dk1"/>
-          </a:lnRef>
-          <a:fillRef idx="1">
-            <a:schemeClr val="lt1"/>
-          </a:fillRef>
-          <a:effectRef idx="0">
-            <a:schemeClr val="dk1"/>
-          </a:effectRef>
-          <a:fontRef idx="minor">
-            <a:schemeClr val="dk1"/>
-          </a:fontRef>
-        </p:style>
-        <p:txBody>
-          <a:bodyPr rtlCol="0" anchor="ctr"/>
-          <a:lstStyle/>
-          <a:p>
-            <a:r>
-              <a:rPr lang="en-US" dirty="0"/>
-              <a:t>Studies meeting inclusion criteria (n = 13)</a:t>
-            </a:r>
-          </a:p>
-        </p:txBody>
-      </p:sp>
-      <p:cxnSp>
-        <p:nvCxnSpPr>
-          <p:cNvPr id="12" name="Straight Arrow Connector 11">
-            <a:extLst>
-              <a:ext uri="{FF2B5EF4-FFF2-40B4-BE49-F238E27FC236}">
-                <a16:creationId xmlns:a16="http://schemas.microsoft.com/office/drawing/2014/main" id="{16430859-F649-4F89-AEBF-07F05064B500}"/>
-              </a:ext>
-            </a:extLst>
-          </p:cNvPr>
-          <p:cNvCxnSpPr/>
-          <p:nvPr/>
-        </p:nvCxnSpPr>
-        <p:spPr>
-          <a:xfrm>
-            <a:off x="2175029" y="198968"/>
-            <a:ext cx="0" cy="2080678"/>
-          </a:xfrm>
-          <a:prstGeom prst="straightConnector1">
-            <a:avLst/>
-          </a:prstGeom>
-          <a:ln w="38100">
-            <a:tailEnd type="triangle"/>
-          </a:ln>
-        </p:spPr>
-        <p:style>
-          <a:lnRef idx="1">
-            <a:schemeClr val="dk1"/>
-          </a:lnRef>
-          <a:fillRef idx="0">
-            <a:schemeClr val="dk1"/>
-          </a:fillRef>
-          <a:effectRef idx="0">
-            <a:schemeClr val="dk1"/>
-          </a:effectRef>
-          <a:fontRef idx="minor">
-            <a:schemeClr val="tx1"/>
-          </a:fontRef>
-        </p:style>
-      </p:cxnSp>
-      <p:cxnSp>
-        <p:nvCxnSpPr>
-          <p:cNvPr id="13" name="Straight Arrow Connector 12">
-            <a:extLst>
-              <a:ext uri="{FF2B5EF4-FFF2-40B4-BE49-F238E27FC236}">
-                <a16:creationId xmlns:a16="http://schemas.microsoft.com/office/drawing/2014/main" id="{F48D20F3-274B-4FDD-A4AF-3987A3A82039}"/>
-              </a:ext>
-            </a:extLst>
-          </p:cNvPr>
-          <p:cNvCxnSpPr>
-            <a:cxnSpLocks/>
-          </p:cNvCxnSpPr>
-          <p:nvPr/>
-        </p:nvCxnSpPr>
-        <p:spPr>
-          <a:xfrm>
-            <a:off x="2175029" y="2872312"/>
-            <a:ext cx="0" cy="3672426"/>
-          </a:xfrm>
-          <a:prstGeom prst="straightConnector1">
-            <a:avLst/>
-          </a:prstGeom>
-          <a:ln w="38100">
-            <a:tailEnd type="triangle"/>
-          </a:ln>
-        </p:spPr>
-        <p:style>
-          <a:lnRef idx="1">
-            <a:schemeClr val="dk1"/>
-          </a:lnRef>
-          <a:fillRef idx="0">
-            <a:schemeClr val="dk1"/>
-          </a:fillRef>
-          <a:effectRef idx="0">
-            <a:schemeClr val="dk1"/>
-          </a:effectRef>
-          <a:fontRef idx="minor">
-            <a:schemeClr val="tx1"/>
-          </a:fontRef>
-        </p:style>
-      </p:cxnSp>
-      <p:cxnSp>
-        <p:nvCxnSpPr>
-          <p:cNvPr id="16" name="Straight Arrow Connector 15">
-            <a:extLst>
-              <a:ext uri="{FF2B5EF4-FFF2-40B4-BE49-F238E27FC236}">
-                <a16:creationId xmlns:a16="http://schemas.microsoft.com/office/drawing/2014/main" id="{1E4D9103-5D2A-474B-9739-6834CB0DC40E}"/>
-              </a:ext>
-            </a:extLst>
-          </p:cNvPr>
-          <p:cNvCxnSpPr>
-            <a:cxnSpLocks/>
-            <a:endCxn id="5" idx="1"/>
-          </p:cNvCxnSpPr>
-          <p:nvPr/>
-        </p:nvCxnSpPr>
-        <p:spPr>
-          <a:xfrm>
-            <a:off x="2175029" y="1239307"/>
-            <a:ext cx="517368" cy="0"/>
-          </a:xfrm>
-          <a:prstGeom prst="straightConnector1">
-            <a:avLst/>
-          </a:prstGeom>
-          <a:ln w="38100">
-            <a:tailEnd type="triangle"/>
-          </a:ln>
-        </p:spPr>
-        <p:style>
-          <a:lnRef idx="1">
-            <a:schemeClr val="dk1"/>
-          </a:lnRef>
-          <a:fillRef idx="0">
-            <a:schemeClr val="dk1"/>
-          </a:fillRef>
-          <a:effectRef idx="0">
-            <a:schemeClr val="dk1"/>
-          </a:effectRef>
-          <a:fontRef idx="minor">
-            <a:schemeClr val="tx1"/>
-          </a:fontRef>
-        </p:style>
-      </p:cxnSp>
-      <p:cxnSp>
-        <p:nvCxnSpPr>
-          <p:cNvPr id="20" name="Straight Arrow Connector 19">
-            <a:extLst>
-              <a:ext uri="{FF2B5EF4-FFF2-40B4-BE49-F238E27FC236}">
-                <a16:creationId xmlns:a16="http://schemas.microsoft.com/office/drawing/2014/main" id="{698BAB6C-01F9-4D61-9715-42DD7EB9AFEA}"/>
-              </a:ext>
-            </a:extLst>
-          </p:cNvPr>
-          <p:cNvCxnSpPr>
-            <a:cxnSpLocks/>
-            <a:endCxn id="7" idx="1"/>
-          </p:cNvCxnSpPr>
-          <p:nvPr/>
-        </p:nvCxnSpPr>
-        <p:spPr>
-          <a:xfrm>
-            <a:off x="2175029" y="4708525"/>
-            <a:ext cx="534304" cy="0"/>
-          </a:xfrm>
-          <a:prstGeom prst="straightConnector1">
-            <a:avLst/>
-          </a:prstGeom>
-          <a:ln w="38100">
-            <a:tailEnd type="triangle"/>
-          </a:ln>
-        </p:spPr>
-        <p:style>
-          <a:lnRef idx="1">
-            <a:schemeClr val="dk1"/>
-          </a:lnRef>
-          <a:fillRef idx="0">
-            <a:schemeClr val="dk1"/>
-          </a:fillRef>
-          <a:effectRef idx="0">
-            <a:schemeClr val="dk1"/>
-          </a:effectRef>
-          <a:fontRef idx="minor">
-            <a:schemeClr val="tx1"/>
-          </a:fontRef>
-        </p:style>
-      </p:cxnSp>
+        </p:grpSpPr>
+        <p:sp>
+          <p:nvSpPr>
+            <p:cNvPr id="4" name="Rectangle 3">
+              <a:extLst>
+                <a:ext uri="{FF2B5EF4-FFF2-40B4-BE49-F238E27FC236}">
+                  <a16:creationId xmlns:a16="http://schemas.microsoft.com/office/drawing/2014/main" id="{3425F35C-9081-4AFA-9CA3-0FFADF826538}"/>
+                </a:ext>
+              </a:extLst>
+            </p:cNvPr>
+            <p:cNvSpPr/>
+            <p:nvPr/>
+          </p:nvSpPr>
+          <p:spPr>
+            <a:xfrm>
+              <a:off x="1794934" y="-393698"/>
+              <a:ext cx="4944532" cy="592666"/>
+            </a:xfrm>
+            <a:prstGeom prst="rect">
+              <a:avLst/>
+            </a:prstGeom>
+          </p:spPr>
+          <p:style>
+            <a:lnRef idx="2">
+              <a:schemeClr val="dk1"/>
+            </a:lnRef>
+            <a:fillRef idx="1">
+              <a:schemeClr val="lt1"/>
+            </a:fillRef>
+            <a:effectRef idx="0">
+              <a:schemeClr val="dk1"/>
+            </a:effectRef>
+            <a:fontRef idx="minor">
+              <a:schemeClr val="dk1"/>
+            </a:fontRef>
+          </p:style>
+          <p:txBody>
+            <a:bodyPr rtlCol="0" anchor="ctr"/>
+            <a:lstStyle/>
+            <a:p>
+              <a:r>
+                <a:rPr lang="en-US" dirty="0"/>
+                <a:t>Citations identified in systemic search (n = 1,458)</a:t>
+              </a:r>
+            </a:p>
+          </p:txBody>
+        </p:sp>
+        <p:sp>
+          <p:nvSpPr>
+            <p:cNvPr id="5" name="Rectangle 4">
+              <a:extLst>
+                <a:ext uri="{FF2B5EF4-FFF2-40B4-BE49-F238E27FC236}">
+                  <a16:creationId xmlns:a16="http://schemas.microsoft.com/office/drawing/2014/main" id="{BF8D534F-6A09-47C2-B237-FD940FF2F461}"/>
+                </a:ext>
+              </a:extLst>
+            </p:cNvPr>
+            <p:cNvSpPr/>
+            <p:nvPr/>
+          </p:nvSpPr>
+          <p:spPr>
+            <a:xfrm>
+              <a:off x="2692397" y="474133"/>
+              <a:ext cx="4047067" cy="1530348"/>
+            </a:xfrm>
+            <a:prstGeom prst="rect">
+              <a:avLst/>
+            </a:prstGeom>
+          </p:spPr>
+          <p:style>
+            <a:lnRef idx="2">
+              <a:schemeClr val="dk1"/>
+            </a:lnRef>
+            <a:fillRef idx="1">
+              <a:schemeClr val="lt1"/>
+            </a:fillRef>
+            <a:effectRef idx="0">
+              <a:schemeClr val="dk1"/>
+            </a:effectRef>
+            <a:fontRef idx="minor">
+              <a:schemeClr val="dk1"/>
+            </a:fontRef>
+          </p:style>
+          <p:txBody>
+            <a:bodyPr rtlCol="0" anchor="ctr"/>
+            <a:lstStyle/>
+            <a:p>
+              <a:r>
+                <a:rPr lang="en-US" dirty="0"/>
+                <a:t>Excluded (n = 1,410)</a:t>
+              </a:r>
+            </a:p>
+            <a:p>
+              <a:endParaRPr lang="en-US" dirty="0"/>
+            </a:p>
+            <a:p>
+              <a:r>
+                <a:rPr lang="en-US" dirty="0"/>
+                <a:t>Reasons:</a:t>
+              </a:r>
+            </a:p>
+            <a:p>
+              <a:r>
+                <a:rPr lang="en-US" dirty="0"/>
+                <a:t>- Duplicated (n = 258)</a:t>
+              </a:r>
+            </a:p>
+            <a:p>
+              <a:r>
+                <a:rPr lang="en-US" dirty="0"/>
+                <a:t>- Did not meet criteria (1,152)</a:t>
+              </a:r>
+            </a:p>
+          </p:txBody>
+        </p:sp>
+        <p:sp>
+          <p:nvSpPr>
+            <p:cNvPr id="6" name="Rectangle 5">
+              <a:extLst>
+                <a:ext uri="{FF2B5EF4-FFF2-40B4-BE49-F238E27FC236}">
+                  <a16:creationId xmlns:a16="http://schemas.microsoft.com/office/drawing/2014/main" id="{4253401C-D65F-4A6B-B86F-4E496469996C}"/>
+                </a:ext>
+              </a:extLst>
+            </p:cNvPr>
+            <p:cNvSpPr/>
+            <p:nvPr/>
+          </p:nvSpPr>
+          <p:spPr>
+            <a:xfrm>
+              <a:off x="1794931" y="2279646"/>
+              <a:ext cx="4944533" cy="592666"/>
+            </a:xfrm>
+            <a:prstGeom prst="rect">
+              <a:avLst/>
+            </a:prstGeom>
+          </p:spPr>
+          <p:style>
+            <a:lnRef idx="2">
+              <a:schemeClr val="dk1"/>
+            </a:lnRef>
+            <a:fillRef idx="1">
+              <a:schemeClr val="lt1"/>
+            </a:fillRef>
+            <a:effectRef idx="0">
+              <a:schemeClr val="dk1"/>
+            </a:effectRef>
+            <a:fontRef idx="minor">
+              <a:schemeClr val="dk1"/>
+            </a:fontRef>
+          </p:style>
+          <p:txBody>
+            <a:bodyPr rtlCol="0" anchor="ctr"/>
+            <a:lstStyle/>
+            <a:p>
+              <a:r>
+                <a:rPr lang="en-US" dirty="0"/>
+                <a:t>Full-text studies retrieved (n = 48)</a:t>
+              </a:r>
+            </a:p>
+          </p:txBody>
+        </p:sp>
+        <p:sp>
+          <p:nvSpPr>
+            <p:cNvPr id="7" name="Rectangle 6">
+              <a:extLst>
+                <a:ext uri="{FF2B5EF4-FFF2-40B4-BE49-F238E27FC236}">
+                  <a16:creationId xmlns:a16="http://schemas.microsoft.com/office/drawing/2014/main" id="{E4854932-5B06-4714-B221-70618453805D}"/>
+                </a:ext>
+              </a:extLst>
+            </p:cNvPr>
+            <p:cNvSpPr/>
+            <p:nvPr/>
+          </p:nvSpPr>
+          <p:spPr>
+            <a:xfrm>
+              <a:off x="2709333" y="3141134"/>
+              <a:ext cx="4047067" cy="3134782"/>
+            </a:xfrm>
+            <a:prstGeom prst="rect">
+              <a:avLst/>
+            </a:prstGeom>
+          </p:spPr>
+          <p:style>
+            <a:lnRef idx="2">
+              <a:schemeClr val="dk1"/>
+            </a:lnRef>
+            <a:fillRef idx="1">
+              <a:schemeClr val="lt1"/>
+            </a:fillRef>
+            <a:effectRef idx="0">
+              <a:schemeClr val="dk1"/>
+            </a:effectRef>
+            <a:fontRef idx="minor">
+              <a:schemeClr val="dk1"/>
+            </a:fontRef>
+          </p:style>
+          <p:txBody>
+            <a:bodyPr rtlCol="0" anchor="ctr"/>
+            <a:lstStyle/>
+            <a:p>
+              <a:r>
+                <a:rPr lang="en-US" dirty="0"/>
+                <a:t>Excluded (n = 35)</a:t>
+              </a:r>
+            </a:p>
+            <a:p>
+              <a:endParaRPr lang="en-US" dirty="0"/>
+            </a:p>
+            <a:p>
+              <a:r>
+                <a:rPr lang="en-US" dirty="0"/>
+                <a:t>Reasons (not mutually exclusive):</a:t>
+              </a:r>
+            </a:p>
+            <a:p>
+              <a:pPr marL="285750" indent="-285750">
+                <a:buFont typeface="Calibri" panose="020F0502020204030204" pitchFamily="34" charset="0"/>
+                <a:buChar char="-"/>
+              </a:pPr>
+              <a:r>
+                <a:rPr lang="en-US" dirty="0"/>
+                <a:t>Duplicated (n = 5)</a:t>
+              </a:r>
+            </a:p>
+            <a:p>
+              <a:pPr marL="285750" indent="-285750">
+                <a:buFont typeface="Calibri" panose="020F0502020204030204" pitchFamily="34" charset="0"/>
+                <a:buChar char="-"/>
+              </a:pPr>
+              <a:r>
+                <a:rPr lang="en-US" dirty="0"/>
+                <a:t>Same data as previous study (n = 2)</a:t>
+              </a:r>
+            </a:p>
+            <a:p>
+              <a:pPr marL="285750" indent="-285750">
+                <a:buFont typeface="Calibri" panose="020F0502020204030204" pitchFamily="34" charset="0"/>
+                <a:buChar char="-"/>
+              </a:pPr>
+              <a:r>
+                <a:rPr lang="en-US" dirty="0"/>
+                <a:t>Outcome data not available (n = 3)</a:t>
+              </a:r>
+            </a:p>
+            <a:p>
+              <a:pPr marL="285750" indent="-285750">
+                <a:buFont typeface="Calibri" panose="020F0502020204030204" pitchFamily="34" charset="0"/>
+                <a:buChar char="-"/>
+              </a:pPr>
+              <a:r>
+                <a:rPr lang="en-US" dirty="0"/>
+                <a:t>Intervention target not eligible (n = 6)</a:t>
+              </a:r>
+            </a:p>
+            <a:p>
+              <a:pPr marL="285750" indent="-285750">
+                <a:buFont typeface="Calibri" panose="020F0502020204030204" pitchFamily="34" charset="0"/>
+                <a:buChar char="-"/>
+              </a:pPr>
+              <a:r>
+                <a:rPr lang="en-US" dirty="0"/>
+                <a:t>Age not in range (n = 6)</a:t>
+              </a:r>
+            </a:p>
+            <a:p>
+              <a:pPr marL="285750" indent="-285750">
+                <a:buFont typeface="Calibri" panose="020F0502020204030204" pitchFamily="34" charset="0"/>
+                <a:buChar char="-"/>
+              </a:pPr>
+              <a:r>
+                <a:rPr lang="en-US" dirty="0"/>
+                <a:t>Not RCT (n = 5)</a:t>
+              </a:r>
+            </a:p>
+            <a:p>
+              <a:pPr marL="285750" indent="-285750">
+                <a:buFont typeface="Calibri" panose="020F0502020204030204" pitchFamily="34" charset="0"/>
+                <a:buChar char="-"/>
+              </a:pPr>
+              <a:r>
+                <a:rPr lang="en-US" dirty="0"/>
+                <a:t>No non-intervention control (n = 11)</a:t>
+              </a:r>
+            </a:p>
+            <a:p>
+              <a:pPr marL="285750" indent="-285750">
+                <a:buFont typeface="Calibri" panose="020F0502020204030204" pitchFamily="34" charset="0"/>
+                <a:buChar char="-"/>
+              </a:pPr>
+              <a:r>
+                <a:rPr lang="en-US" dirty="0"/>
+                <a:t>No eligible outcome (n = 14)</a:t>
+              </a:r>
+            </a:p>
+          </p:txBody>
+        </p:sp>
+        <p:sp>
+          <p:nvSpPr>
+            <p:cNvPr id="8" name="Rectangle 7">
+              <a:extLst>
+                <a:ext uri="{FF2B5EF4-FFF2-40B4-BE49-F238E27FC236}">
+                  <a16:creationId xmlns:a16="http://schemas.microsoft.com/office/drawing/2014/main" id="{021E0C23-4A8D-4ECB-854D-2B626DEEC89D}"/>
+                </a:ext>
+              </a:extLst>
+            </p:cNvPr>
+            <p:cNvSpPr/>
+            <p:nvPr/>
+          </p:nvSpPr>
+          <p:spPr>
+            <a:xfrm>
+              <a:off x="1794931" y="6544738"/>
+              <a:ext cx="4961469" cy="592666"/>
+            </a:xfrm>
+            <a:prstGeom prst="rect">
+              <a:avLst/>
+            </a:prstGeom>
+          </p:spPr>
+          <p:style>
+            <a:lnRef idx="2">
+              <a:schemeClr val="dk1"/>
+            </a:lnRef>
+            <a:fillRef idx="1">
+              <a:schemeClr val="lt1"/>
+            </a:fillRef>
+            <a:effectRef idx="0">
+              <a:schemeClr val="dk1"/>
+            </a:effectRef>
+            <a:fontRef idx="minor">
+              <a:schemeClr val="dk1"/>
+            </a:fontRef>
+          </p:style>
+          <p:txBody>
+            <a:bodyPr rtlCol="0" anchor="ctr"/>
+            <a:lstStyle/>
+            <a:p>
+              <a:r>
+                <a:rPr lang="en-US" dirty="0"/>
+                <a:t>Studies meeting inclusion criteria (n = 13)</a:t>
+              </a:r>
+            </a:p>
+          </p:txBody>
+        </p:sp>
+        <p:cxnSp>
+          <p:nvCxnSpPr>
+            <p:cNvPr id="12" name="Straight Arrow Connector 11">
+              <a:extLst>
+                <a:ext uri="{FF2B5EF4-FFF2-40B4-BE49-F238E27FC236}">
+                  <a16:creationId xmlns:a16="http://schemas.microsoft.com/office/drawing/2014/main" id="{16430859-F649-4F89-AEBF-07F05064B500}"/>
+                </a:ext>
+              </a:extLst>
+            </p:cNvPr>
+            <p:cNvCxnSpPr/>
+            <p:nvPr/>
+          </p:nvCxnSpPr>
+          <p:spPr>
+            <a:xfrm>
+              <a:off x="2175029" y="198968"/>
+              <a:ext cx="0" cy="2080678"/>
+            </a:xfrm>
+            <a:prstGeom prst="straightConnector1">
+              <a:avLst/>
+            </a:prstGeom>
+            <a:ln w="38100">
+              <a:tailEnd type="triangle"/>
+            </a:ln>
+          </p:spPr>
+          <p:style>
+            <a:lnRef idx="1">
+              <a:schemeClr val="dk1"/>
+            </a:lnRef>
+            <a:fillRef idx="0">
+              <a:schemeClr val="dk1"/>
+            </a:fillRef>
+            <a:effectRef idx="0">
+              <a:schemeClr val="dk1"/>
+            </a:effectRef>
+            <a:fontRef idx="minor">
+              <a:schemeClr val="tx1"/>
+            </a:fontRef>
+          </p:style>
+        </p:cxnSp>
+        <p:cxnSp>
+          <p:nvCxnSpPr>
+            <p:cNvPr id="13" name="Straight Arrow Connector 12">
+              <a:extLst>
+                <a:ext uri="{FF2B5EF4-FFF2-40B4-BE49-F238E27FC236}">
+                  <a16:creationId xmlns:a16="http://schemas.microsoft.com/office/drawing/2014/main" id="{F48D20F3-274B-4FDD-A4AF-3987A3A82039}"/>
+                </a:ext>
+              </a:extLst>
+            </p:cNvPr>
+            <p:cNvCxnSpPr>
+              <a:cxnSpLocks/>
+            </p:cNvCxnSpPr>
+            <p:nvPr/>
+          </p:nvCxnSpPr>
+          <p:spPr>
+            <a:xfrm>
+              <a:off x="2175029" y="2872312"/>
+              <a:ext cx="0" cy="3672426"/>
+            </a:xfrm>
+            <a:prstGeom prst="straightConnector1">
+              <a:avLst/>
+            </a:prstGeom>
+            <a:ln w="38100">
+              <a:tailEnd type="triangle"/>
+            </a:ln>
+          </p:spPr>
+          <p:style>
+            <a:lnRef idx="1">
+              <a:schemeClr val="dk1"/>
+            </a:lnRef>
+            <a:fillRef idx="0">
+              <a:schemeClr val="dk1"/>
+            </a:fillRef>
+            <a:effectRef idx="0">
+              <a:schemeClr val="dk1"/>
+            </a:effectRef>
+            <a:fontRef idx="minor">
+              <a:schemeClr val="tx1"/>
+            </a:fontRef>
+          </p:style>
+        </p:cxnSp>
+        <p:cxnSp>
+          <p:nvCxnSpPr>
+            <p:cNvPr id="16" name="Straight Arrow Connector 15">
+              <a:extLst>
+                <a:ext uri="{FF2B5EF4-FFF2-40B4-BE49-F238E27FC236}">
+                  <a16:creationId xmlns:a16="http://schemas.microsoft.com/office/drawing/2014/main" id="{1E4D9103-5D2A-474B-9739-6834CB0DC40E}"/>
+                </a:ext>
+              </a:extLst>
+            </p:cNvPr>
+            <p:cNvCxnSpPr>
+              <a:cxnSpLocks/>
+              <a:endCxn id="5" idx="1"/>
+            </p:cNvCxnSpPr>
+            <p:nvPr/>
+          </p:nvCxnSpPr>
+          <p:spPr>
+            <a:xfrm>
+              <a:off x="2175029" y="1239307"/>
+              <a:ext cx="517368" cy="0"/>
+            </a:xfrm>
+            <a:prstGeom prst="straightConnector1">
+              <a:avLst/>
+            </a:prstGeom>
+            <a:ln w="38100">
+              <a:tailEnd type="triangle"/>
+            </a:ln>
+          </p:spPr>
+          <p:style>
+            <a:lnRef idx="1">
+              <a:schemeClr val="dk1"/>
+            </a:lnRef>
+            <a:fillRef idx="0">
+              <a:schemeClr val="dk1"/>
+            </a:fillRef>
+            <a:effectRef idx="0">
+              <a:schemeClr val="dk1"/>
+            </a:effectRef>
+            <a:fontRef idx="minor">
+              <a:schemeClr val="tx1"/>
+            </a:fontRef>
+          </p:style>
+        </p:cxnSp>
+        <p:cxnSp>
+          <p:nvCxnSpPr>
+            <p:cNvPr id="20" name="Straight Arrow Connector 19">
+              <a:extLst>
+                <a:ext uri="{FF2B5EF4-FFF2-40B4-BE49-F238E27FC236}">
+                  <a16:creationId xmlns:a16="http://schemas.microsoft.com/office/drawing/2014/main" id="{698BAB6C-01F9-4D61-9715-42DD7EB9AFEA}"/>
+                </a:ext>
+              </a:extLst>
+            </p:cNvPr>
+            <p:cNvCxnSpPr>
+              <a:cxnSpLocks/>
+              <a:endCxn id="7" idx="1"/>
+            </p:cNvCxnSpPr>
+            <p:nvPr/>
+          </p:nvCxnSpPr>
+          <p:spPr>
+            <a:xfrm>
+              <a:off x="2175029" y="4708525"/>
+              <a:ext cx="534304" cy="0"/>
+            </a:xfrm>
+            <a:prstGeom prst="straightConnector1">
+              <a:avLst/>
+            </a:prstGeom>
+            <a:ln w="38100">
+              <a:tailEnd type="triangle"/>
+            </a:ln>
+          </p:spPr>
+          <p:style>
+            <a:lnRef idx="1">
+              <a:schemeClr val="dk1"/>
+            </a:lnRef>
+            <a:fillRef idx="0">
+              <a:schemeClr val="dk1"/>
+            </a:fillRef>
+            <a:effectRef idx="0">
+              <a:schemeClr val="dk1"/>
+            </a:effectRef>
+            <a:fontRef idx="minor">
+              <a:schemeClr val="tx1"/>
+            </a:fontRef>
+          </p:style>
+        </p:cxnSp>
+      </p:grpSp>
     </p:spTree>
     <p:extLst>
       <p:ext uri="{BB962C8B-B14F-4D97-AF65-F5344CB8AC3E}">
